--- a/TB04-Arquitectura-de-Software.pptx
+++ b/TB04-Arquitectura-de-Software.pptx
@@ -7,15 +7,16 @@
   <p:sldIdLst>
     <p:sldId id="256" r:id="rId2"/>
     <p:sldId id="267" r:id="rId3"/>
-    <p:sldId id="268" r:id="rId4"/>
-    <p:sldId id="276" r:id="rId5"/>
-    <p:sldId id="269" r:id="rId6"/>
-    <p:sldId id="270" r:id="rId7"/>
-    <p:sldId id="273" r:id="rId8"/>
-    <p:sldId id="271" r:id="rId9"/>
-    <p:sldId id="274" r:id="rId10"/>
-    <p:sldId id="272" r:id="rId11"/>
-    <p:sldId id="275" r:id="rId12"/>
+    <p:sldId id="277" r:id="rId4"/>
+    <p:sldId id="268" r:id="rId5"/>
+    <p:sldId id="276" r:id="rId6"/>
+    <p:sldId id="269" r:id="rId7"/>
+    <p:sldId id="270" r:id="rId8"/>
+    <p:sldId id="273" r:id="rId9"/>
+    <p:sldId id="271" r:id="rId10"/>
+    <p:sldId id="274" r:id="rId11"/>
+    <p:sldId id="272" r:id="rId12"/>
+    <p:sldId id="275" r:id="rId13"/>
   </p:sldIdLst>
   <p:sldSz cx="12192000" cy="6858000"/>
   <p:notesSz cx="6858000" cy="9144000"/>
@@ -7907,6 +7908,77 @@
           <a:chExt cx="0" cy="0"/>
         </a:xfrm>
       </p:grpSpPr>
+      <p:pic>
+        <p:nvPicPr>
+          <p:cNvPr id="5122" name="Picture 2" descr="E:\New folder (2)\despliegue_2.png"/>
+          <p:cNvPicPr>
+            <a:picLocks noChangeAspect="1" noChangeArrowheads="1"/>
+          </p:cNvPicPr>
+          <p:nvPr/>
+        </p:nvPicPr>
+        <p:blipFill>
+          <a:blip r:embed="rId2" cstate="print">
+            <a:extLst>
+              <a:ext uri="{28A0092B-C50C-407E-A947-70E740481C1C}">
+                <a14:useLocalDpi xmlns:a14="http://schemas.microsoft.com/office/drawing/2010/main" val="0"/>
+              </a:ext>
+            </a:extLst>
+          </a:blip>
+          <a:srcRect/>
+          <a:stretch>
+            <a:fillRect/>
+          </a:stretch>
+        </p:blipFill>
+        <p:spPr bwMode="auto">
+          <a:xfrm>
+            <a:off x="1955800" y="134339"/>
+            <a:ext cx="8140700" cy="6537924"/>
+          </a:xfrm>
+          <a:prstGeom prst="rect">
+            <a:avLst/>
+          </a:prstGeom>
+          <a:noFill/>
+          <a:extLst>
+            <a:ext uri="{909E8E84-426E-40DD-AFC4-6F175D3DCCD1}">
+              <a14:hiddenFill xmlns:a14="http://schemas.microsoft.com/office/drawing/2010/main">
+                <a:solidFill>
+                  <a:srgbClr val="FFFFFF"/>
+                </a:solidFill>
+              </a14:hiddenFill>
+            </a:ext>
+          </a:extLst>
+        </p:spPr>
+      </p:pic>
+    </p:spTree>
+    <p:extLst>
+      <p:ext uri="{BB962C8B-B14F-4D97-AF65-F5344CB8AC3E}">
+        <p14:creationId xmlns:p14="http://schemas.microsoft.com/office/powerpoint/2010/main" val="2750946669"/>
+      </p:ext>
+    </p:extLst>
+  </p:cSld>
+  <p:clrMapOvr>
+    <a:masterClrMapping/>
+  </p:clrMapOvr>
+</p:sld>
+</file>
+
+<file path=ppt/slides/slide11.xml><?xml version="1.0" encoding="utf-8"?>
+<p:sld xmlns:a="http://schemas.openxmlformats.org/drawingml/2006/main" xmlns:r="http://schemas.openxmlformats.org/officeDocument/2006/relationships" xmlns:p="http://schemas.openxmlformats.org/presentationml/2006/main">
+  <p:cSld>
+    <p:spTree>
+      <p:nvGrpSpPr>
+        <p:cNvPr id="1" name=""/>
+        <p:cNvGrpSpPr/>
+        <p:nvPr/>
+      </p:nvGrpSpPr>
+      <p:grpSpPr>
+        <a:xfrm>
+          <a:off x="0" y="0"/>
+          <a:ext cx="0" cy="0"/>
+          <a:chOff x="0" y="0"/>
+          <a:chExt cx="0" cy="0"/>
+        </a:xfrm>
+      </p:grpSpPr>
       <p:sp>
         <p:nvSpPr>
           <p:cNvPr id="2" name="1 Título"/>
@@ -7951,7 +8023,7 @@
 </p:sld>
 </file>
 
-<file path=ppt/slides/slide11.xml><?xml version="1.0" encoding="utf-8"?>
+<file path=ppt/slides/slide12.xml><?xml version="1.0" encoding="utf-8"?>
 <p:sld xmlns:a="http://schemas.openxmlformats.org/drawingml/2006/main" xmlns:r="http://schemas.openxmlformats.org/officeDocument/2006/relationships" xmlns:p="http://schemas.openxmlformats.org/presentationml/2006/main">
   <p:cSld>
     <p:spTree>
@@ -8063,60 +8135,6 @@
           </a:p>
         </p:txBody>
       </p:sp>
-      <p:pic>
-        <p:nvPicPr>
-          <p:cNvPr id="5" name="Picture 2"/>
-          <p:cNvPicPr>
-            <a:picLocks noChangeAspect="1" noChangeArrowheads="1"/>
-          </p:cNvPicPr>
-          <p:nvPr/>
-        </p:nvPicPr>
-        <p:blipFill>
-          <a:blip r:embed="rId2">
-            <a:extLst>
-              <a:ext uri="{28A0092B-C50C-407E-A947-70E740481C1C}">
-                <a14:useLocalDpi xmlns:a14="http://schemas.microsoft.com/office/drawing/2010/main" val="0"/>
-              </a:ext>
-            </a:extLst>
-          </a:blip>
-          <a:srcRect/>
-          <a:stretch>
-            <a:fillRect/>
-          </a:stretch>
-        </p:blipFill>
-        <p:spPr bwMode="auto">
-          <a:xfrm>
-            <a:off x="3910795" y="1690181"/>
-            <a:ext cx="4329363" cy="5829300"/>
-          </a:xfrm>
-          <a:prstGeom prst="rect">
-            <a:avLst/>
-          </a:prstGeom>
-          <a:noFill/>
-          <a:ln>
-            <a:noFill/>
-          </a:ln>
-          <a:extLst>
-            <a:ext uri="{909E8E84-426E-40DD-AFC4-6F175D3DCCD1}">
-              <a14:hiddenFill xmlns:a14="http://schemas.microsoft.com/office/drawing/2010/main">
-                <a:solidFill>
-                  <a:schemeClr val="accent1"/>
-                </a:solidFill>
-              </a14:hiddenFill>
-            </a:ext>
-            <a:ext uri="{91240B29-F687-4F45-9708-019B960494DF}">
-              <a14:hiddenLine xmlns:a14="http://schemas.microsoft.com/office/drawing/2010/main" w="9525">
-                <a:solidFill>
-                  <a:schemeClr val="tx1"/>
-                </a:solidFill>
-                <a:miter lim="800000"/>
-                <a:headEnd/>
-                <a:tailEnd/>
-              </a14:hiddenLine>
-            </a:ext>
-          </a:extLst>
-        </p:spPr>
-      </p:pic>
     </p:spTree>
     <p:extLst>
       <p:ext uri="{BB962C8B-B14F-4D97-AF65-F5344CB8AC3E}">
@@ -8154,6 +8172,305 @@
           <a:chExt cx="0" cy="0"/>
         </a:xfrm>
       </p:grpSpPr>
+      <p:pic>
+        <p:nvPicPr>
+          <p:cNvPr id="4" name="Picture 2"/>
+          <p:cNvPicPr>
+            <a:picLocks noChangeAspect="1" noChangeArrowheads="1"/>
+          </p:cNvPicPr>
+          <p:nvPr/>
+        </p:nvPicPr>
+        <p:blipFill>
+          <a:blip r:embed="rId2">
+            <a:extLst>
+              <a:ext uri="{28A0092B-C50C-407E-A947-70E740481C1C}">
+                <a14:useLocalDpi xmlns:a14="http://schemas.microsoft.com/office/drawing/2010/main" val="0"/>
+              </a:ext>
+            </a:extLst>
+          </a:blip>
+          <a:srcRect/>
+          <a:stretch>
+            <a:fillRect/>
+          </a:stretch>
+        </p:blipFill>
+        <p:spPr bwMode="auto">
+          <a:xfrm>
+            <a:off x="2983696" y="0"/>
+            <a:ext cx="5517789" cy="7429464"/>
+          </a:xfrm>
+          <a:prstGeom prst="rect">
+            <a:avLst/>
+          </a:prstGeom>
+          <a:noFill/>
+          <a:ln>
+            <a:noFill/>
+          </a:ln>
+          <a:extLst>
+            <a:ext uri="{909E8E84-426E-40DD-AFC4-6F175D3DCCD1}">
+              <a14:hiddenFill xmlns:a14="http://schemas.microsoft.com/office/drawing/2010/main">
+                <a:solidFill>
+                  <a:schemeClr val="accent1"/>
+                </a:solidFill>
+              </a14:hiddenFill>
+            </a:ext>
+            <a:ext uri="{91240B29-F687-4F45-9708-019B960494DF}">
+              <a14:hiddenLine xmlns:a14="http://schemas.microsoft.com/office/drawing/2010/main" w="9525">
+                <a:solidFill>
+                  <a:schemeClr val="tx1"/>
+                </a:solidFill>
+                <a:miter lim="800000"/>
+                <a:headEnd/>
+                <a:tailEnd/>
+              </a14:hiddenLine>
+            </a:ext>
+          </a:extLst>
+        </p:spPr>
+      </p:pic>
+      <p:sp>
+        <p:nvSpPr>
+          <p:cNvPr id="5" name="4 Rectángulo redondeado"/>
+          <p:cNvSpPr/>
+          <p:nvPr/>
+        </p:nvSpPr>
+        <p:spPr>
+          <a:xfrm>
+            <a:off x="9189720" y="3689332"/>
+            <a:ext cx="1516380" cy="266700"/>
+          </a:xfrm>
+          <a:prstGeom prst="roundRect">
+            <a:avLst/>
+          </a:prstGeom>
+          <a:solidFill>
+            <a:srgbClr val="0070C0"/>
+          </a:solidFill>
+          <a:ln>
+            <a:solidFill>
+              <a:srgbClr val="0070C0"/>
+            </a:solidFill>
+          </a:ln>
+        </p:spPr>
+        <p:style>
+          <a:lnRef idx="2">
+            <a:schemeClr val="accent1">
+              <a:shade val="50000"/>
+            </a:schemeClr>
+          </a:lnRef>
+          <a:fillRef idx="1">
+            <a:schemeClr val="accent1"/>
+          </a:fillRef>
+          <a:effectRef idx="0">
+            <a:schemeClr val="accent1"/>
+          </a:effectRef>
+          <a:fontRef idx="minor">
+            <a:schemeClr val="lt1"/>
+          </a:fontRef>
+        </p:style>
+        <p:txBody>
+          <a:bodyPr rtlCol="0" anchor="ctr"/>
+          <a:lstStyle/>
+          <a:p>
+            <a:pPr algn="ctr"/>
+            <a:r>
+              <a:rPr lang="es-PE" sz="1400" dirty="0" smtClean="0"/>
+              <a:t>Presentación</a:t>
+            </a:r>
+            <a:endParaRPr lang="es-PE" dirty="0"/>
+          </a:p>
+        </p:txBody>
+      </p:sp>
+      <p:sp>
+        <p:nvSpPr>
+          <p:cNvPr id="6" name="5 Rectángulo redondeado"/>
+          <p:cNvSpPr/>
+          <p:nvPr/>
+        </p:nvSpPr>
+        <p:spPr>
+          <a:xfrm>
+            <a:off x="9202420" y="4100812"/>
+            <a:ext cx="1503680" cy="304800"/>
+          </a:xfrm>
+          <a:prstGeom prst="roundRect">
+            <a:avLst/>
+          </a:prstGeom>
+          <a:solidFill>
+            <a:srgbClr val="AC5914"/>
+          </a:solidFill>
+          <a:ln>
+            <a:solidFill>
+              <a:srgbClr val="AC5914"/>
+            </a:solidFill>
+          </a:ln>
+        </p:spPr>
+        <p:style>
+          <a:lnRef idx="2">
+            <a:schemeClr val="accent1">
+              <a:shade val="50000"/>
+            </a:schemeClr>
+          </a:lnRef>
+          <a:fillRef idx="1">
+            <a:schemeClr val="accent1"/>
+          </a:fillRef>
+          <a:effectRef idx="0">
+            <a:schemeClr val="accent1"/>
+          </a:effectRef>
+          <a:fontRef idx="minor">
+            <a:schemeClr val="lt1"/>
+          </a:fontRef>
+        </p:style>
+        <p:txBody>
+          <a:bodyPr rtlCol="0" anchor="ctr"/>
+          <a:lstStyle/>
+          <a:p>
+            <a:pPr algn="ctr"/>
+            <a:r>
+              <a:rPr lang="es-PE" sz="1400" dirty="0" smtClean="0"/>
+              <a:t>Aplicación</a:t>
+            </a:r>
+            <a:endParaRPr lang="es-PE" sz="1400" dirty="0"/>
+          </a:p>
+        </p:txBody>
+      </p:sp>
+      <p:sp>
+        <p:nvSpPr>
+          <p:cNvPr id="7" name="6 Rectángulo redondeado"/>
+          <p:cNvSpPr/>
+          <p:nvPr/>
+        </p:nvSpPr>
+        <p:spPr>
+          <a:xfrm>
+            <a:off x="9194800" y="4527532"/>
+            <a:ext cx="1511300" cy="342900"/>
+          </a:xfrm>
+          <a:prstGeom prst="roundRect">
+            <a:avLst/>
+          </a:prstGeom>
+          <a:solidFill>
+            <a:srgbClr val="FFC000"/>
+          </a:solidFill>
+          <a:ln>
+            <a:solidFill>
+              <a:srgbClr val="FFC000"/>
+            </a:solidFill>
+          </a:ln>
+        </p:spPr>
+        <p:style>
+          <a:lnRef idx="2">
+            <a:schemeClr val="accent1">
+              <a:shade val="50000"/>
+            </a:schemeClr>
+          </a:lnRef>
+          <a:fillRef idx="1">
+            <a:schemeClr val="accent1"/>
+          </a:fillRef>
+          <a:effectRef idx="0">
+            <a:schemeClr val="accent1"/>
+          </a:effectRef>
+          <a:fontRef idx="minor">
+            <a:schemeClr val="lt1"/>
+          </a:fontRef>
+        </p:style>
+        <p:txBody>
+          <a:bodyPr rtlCol="0" anchor="ctr"/>
+          <a:lstStyle/>
+          <a:p>
+            <a:pPr algn="ctr"/>
+            <a:r>
+              <a:rPr lang="es-PE" sz="1400" dirty="0" smtClean="0"/>
+              <a:t>Dominios</a:t>
+            </a:r>
+            <a:endParaRPr lang="es-PE" sz="1400" dirty="0"/>
+          </a:p>
+        </p:txBody>
+      </p:sp>
+      <p:sp>
+        <p:nvSpPr>
+          <p:cNvPr id="8" name="7 Rectángulo redondeado"/>
+          <p:cNvSpPr/>
+          <p:nvPr/>
+        </p:nvSpPr>
+        <p:spPr>
+          <a:xfrm>
+            <a:off x="9202420" y="4978364"/>
+            <a:ext cx="1511300" cy="381000"/>
+          </a:xfrm>
+          <a:prstGeom prst="roundRect">
+            <a:avLst/>
+          </a:prstGeom>
+          <a:solidFill>
+            <a:srgbClr val="008000"/>
+          </a:solidFill>
+          <a:ln>
+            <a:solidFill>
+              <a:srgbClr val="0070C0"/>
+            </a:solidFill>
+          </a:ln>
+        </p:spPr>
+        <p:style>
+          <a:lnRef idx="2">
+            <a:schemeClr val="accent1">
+              <a:shade val="50000"/>
+            </a:schemeClr>
+          </a:lnRef>
+          <a:fillRef idx="1">
+            <a:schemeClr val="accent1"/>
+          </a:fillRef>
+          <a:effectRef idx="0">
+            <a:schemeClr val="accent1"/>
+          </a:effectRef>
+          <a:fontRef idx="minor">
+            <a:schemeClr val="lt1"/>
+          </a:fontRef>
+        </p:style>
+        <p:txBody>
+          <a:bodyPr rtlCol="0" anchor="ctr"/>
+          <a:lstStyle/>
+          <a:p>
+            <a:pPr algn="ctr"/>
+            <a:r>
+              <a:rPr lang="es-PE" sz="1400" dirty="0" smtClean="0"/>
+              <a:t>Infraestructura</a:t>
+            </a:r>
+            <a:endParaRPr lang="es-PE" dirty="0"/>
+          </a:p>
+        </p:txBody>
+      </p:sp>
+    </p:spTree>
+    <p:extLst>
+      <p:ext uri="{BB962C8B-B14F-4D97-AF65-F5344CB8AC3E}">
+        <p14:creationId xmlns:p14="http://schemas.microsoft.com/office/powerpoint/2010/main" val="1211071634"/>
+      </p:ext>
+    </p:extLst>
+  </p:cSld>
+  <p:clrMapOvr>
+    <a:masterClrMapping/>
+  </p:clrMapOvr>
+  <p:timing>
+    <p:tnLst>
+      <p:par>
+        <p:cTn id="1" dur="indefinite" restart="never" nodeType="tmRoot"/>
+      </p:par>
+    </p:tnLst>
+  </p:timing>
+</p:sld>
+</file>
+
+<file path=ppt/slides/slide4.xml><?xml version="1.0" encoding="utf-8"?>
+<p:sld xmlns:a="http://schemas.openxmlformats.org/drawingml/2006/main" xmlns:r="http://schemas.openxmlformats.org/officeDocument/2006/relationships" xmlns:p="http://schemas.openxmlformats.org/presentationml/2006/main">
+  <p:cSld>
+    <p:spTree>
+      <p:nvGrpSpPr>
+        <p:cNvPr id="1" name=""/>
+        <p:cNvGrpSpPr/>
+        <p:nvPr/>
+      </p:nvGrpSpPr>
+      <p:grpSpPr>
+        <a:xfrm>
+          <a:off x="0" y="0"/>
+          <a:ext cx="0" cy="0"/>
+          <a:chOff x="0" y="0"/>
+          <a:chExt cx="0" cy="0"/>
+        </a:xfrm>
+      </p:grpSpPr>
       <p:sp>
         <p:nvSpPr>
           <p:cNvPr id="2" name="1 Título"/>
@@ -8201,7 +8518,7 @@
 </p:sld>
 </file>
 
-<file path=ppt/slides/slide4.xml><?xml version="1.0" encoding="utf-8"?>
+<file path=ppt/slides/slide5.xml><?xml version="1.0" encoding="utf-8"?>
 <p:sld xmlns:a="http://schemas.openxmlformats.org/drawingml/2006/main" xmlns:r="http://schemas.openxmlformats.org/officeDocument/2006/relationships" xmlns:p="http://schemas.openxmlformats.org/presentationml/2006/main">
   <p:cSld>
     <p:spTree>
@@ -8269,127 +8586,6 @@
   <p:clrMapOvr>
     <a:masterClrMapping/>
   </p:clrMapOvr>
-</p:sld>
-</file>
-
-<file path=ppt/slides/slide5.xml><?xml version="1.0" encoding="utf-8"?>
-<p:sld xmlns:a="http://schemas.openxmlformats.org/drawingml/2006/main" xmlns:r="http://schemas.openxmlformats.org/officeDocument/2006/relationships" xmlns:p="http://schemas.openxmlformats.org/presentationml/2006/main">
-  <p:cSld>
-    <p:spTree>
-      <p:nvGrpSpPr>
-        <p:cNvPr id="1" name=""/>
-        <p:cNvGrpSpPr/>
-        <p:nvPr/>
-      </p:nvGrpSpPr>
-      <p:grpSpPr>
-        <a:xfrm>
-          <a:off x="0" y="0"/>
-          <a:ext cx="0" cy="0"/>
-          <a:chOff x="0" y="0"/>
-          <a:chExt cx="0" cy="0"/>
-        </a:xfrm>
-      </p:grpSpPr>
-      <p:sp>
-        <p:nvSpPr>
-          <p:cNvPr id="2" name="1 Título"/>
-          <p:cNvSpPr>
-            <a:spLocks noGrp="1"/>
-          </p:cNvSpPr>
-          <p:nvPr>
-            <p:ph type="title"/>
-          </p:nvPr>
-        </p:nvSpPr>
-        <p:spPr/>
-        <p:txBody>
-          <a:bodyPr/>
-          <a:lstStyle/>
-          <a:p>
-            <a:pPr algn="ctr"/>
-            <a:r>
-              <a:rPr lang="es-PE" dirty="0" smtClean="0"/>
-              <a:t>Diagrama de Despliegue</a:t>
-            </a:r>
-            <a:endParaRPr lang="es-PE" dirty="0"/>
-          </a:p>
-        </p:txBody>
-      </p:sp>
-      <p:sp>
-        <p:nvSpPr>
-          <p:cNvPr id="3" name="2 Marcador de contenido"/>
-          <p:cNvSpPr>
-            <a:spLocks noGrp="1"/>
-          </p:cNvSpPr>
-          <p:nvPr>
-            <p:ph idx="1"/>
-          </p:nvPr>
-        </p:nvSpPr>
-        <p:spPr/>
-        <p:txBody>
-          <a:bodyPr>
-            <a:normAutofit lnSpcReduction="10000"/>
-          </a:bodyPr>
-          <a:lstStyle/>
-          <a:p>
-            <a:r>
-              <a:rPr lang="es-PE" dirty="0" smtClean="0"/>
-              <a:t>Log in</a:t>
-            </a:r>
-          </a:p>
-          <a:p>
-            <a:r>
-              <a:rPr lang="es-PE" dirty="0" smtClean="0"/>
-              <a:t>Consulta de Rutas</a:t>
-            </a:r>
-          </a:p>
-          <a:p>
-            <a:r>
-              <a:rPr lang="es-PE" dirty="0" smtClean="0"/>
-              <a:t>Registrar Usuario</a:t>
-            </a:r>
-          </a:p>
-          <a:p>
-            <a:r>
-              <a:rPr lang="es-PE" dirty="0" smtClean="0"/>
-              <a:t>Editar Usuario</a:t>
-            </a:r>
-          </a:p>
-          <a:p>
-            <a:r>
-              <a:rPr lang="es-PE" dirty="0" smtClean="0"/>
-              <a:t>Vehículo</a:t>
-            </a:r>
-          </a:p>
-          <a:p>
-            <a:r>
-              <a:rPr lang="es-PE" dirty="0" smtClean="0"/>
-              <a:t>Reporte de pagos</a:t>
-            </a:r>
-          </a:p>
-          <a:p>
-            <a:r>
-              <a:rPr lang="es-PE" dirty="0" smtClean="0"/>
-              <a:t>Asignación de Rutas</a:t>
-            </a:r>
-          </a:p>
-          <a:p>
-            <a:r>
-              <a:rPr lang="es-PE" dirty="0" smtClean="0"/>
-              <a:t>Calificación y denuncias</a:t>
-            </a:r>
-            <a:endParaRPr lang="es-PE" dirty="0"/>
-          </a:p>
-        </p:txBody>
-      </p:sp>
-    </p:spTree>
-    <p:extLst>
-      <p:ext uri="{BB962C8B-B14F-4D97-AF65-F5344CB8AC3E}">
-        <p14:creationId xmlns:p14="http://schemas.microsoft.com/office/powerpoint/2010/main" val="660706636"/>
-      </p:ext>
-    </p:extLst>
-  </p:cSld>
-  <p:clrMapOvr>
-    <a:masterClrMapping/>
-  </p:clrMapOvr>
   <p:timing>
     <p:tnLst>
       <p:par>
@@ -8435,6 +8631,134 @@
             <a:pPr algn="ctr"/>
             <a:r>
               <a:rPr lang="es-PE" dirty="0" smtClean="0"/>
+              <a:t>Diagrama de Despliegue</a:t>
+            </a:r>
+            <a:endParaRPr lang="es-PE" dirty="0"/>
+          </a:p>
+        </p:txBody>
+      </p:sp>
+      <p:sp>
+        <p:nvSpPr>
+          <p:cNvPr id="3" name="2 Marcador de contenido"/>
+          <p:cNvSpPr>
+            <a:spLocks noGrp="1"/>
+          </p:cNvSpPr>
+          <p:nvPr>
+            <p:ph idx="1"/>
+          </p:nvPr>
+        </p:nvSpPr>
+        <p:spPr/>
+        <p:txBody>
+          <a:bodyPr>
+            <a:normAutofit lnSpcReduction="10000"/>
+          </a:bodyPr>
+          <a:lstStyle/>
+          <a:p>
+            <a:r>
+              <a:rPr lang="es-PE" dirty="0" smtClean="0"/>
+              <a:t>Log in</a:t>
+            </a:r>
+          </a:p>
+          <a:p>
+            <a:r>
+              <a:rPr lang="es-PE" dirty="0" smtClean="0"/>
+              <a:t>Consulta de Rutas</a:t>
+            </a:r>
+          </a:p>
+          <a:p>
+            <a:r>
+              <a:rPr lang="es-PE" dirty="0" smtClean="0"/>
+              <a:t>Registrar Usuario</a:t>
+            </a:r>
+          </a:p>
+          <a:p>
+            <a:r>
+              <a:rPr lang="es-PE" dirty="0" smtClean="0"/>
+              <a:t>Editar Usuario</a:t>
+            </a:r>
+          </a:p>
+          <a:p>
+            <a:r>
+              <a:rPr lang="es-PE" dirty="0" smtClean="0"/>
+              <a:t>Vehículo</a:t>
+            </a:r>
+          </a:p>
+          <a:p>
+            <a:r>
+              <a:rPr lang="es-PE" dirty="0" smtClean="0"/>
+              <a:t>Reporte de pagos</a:t>
+            </a:r>
+          </a:p>
+          <a:p>
+            <a:r>
+              <a:rPr lang="es-PE" dirty="0" smtClean="0"/>
+              <a:t>Asignación de Rutas</a:t>
+            </a:r>
+          </a:p>
+          <a:p>
+            <a:r>
+              <a:rPr lang="es-PE" dirty="0" smtClean="0"/>
+              <a:t>Calificación y denuncias</a:t>
+            </a:r>
+            <a:endParaRPr lang="es-PE" dirty="0"/>
+          </a:p>
+        </p:txBody>
+      </p:sp>
+    </p:spTree>
+    <p:extLst>
+      <p:ext uri="{BB962C8B-B14F-4D97-AF65-F5344CB8AC3E}">
+        <p14:creationId xmlns:p14="http://schemas.microsoft.com/office/powerpoint/2010/main" val="660706636"/>
+      </p:ext>
+    </p:extLst>
+  </p:cSld>
+  <p:clrMapOvr>
+    <a:masterClrMapping/>
+  </p:clrMapOvr>
+  <p:timing>
+    <p:tnLst>
+      <p:par>
+        <p:cTn id="1" dur="indefinite" restart="never" nodeType="tmRoot"/>
+      </p:par>
+    </p:tnLst>
+  </p:timing>
+</p:sld>
+</file>
+
+<file path=ppt/slides/slide7.xml><?xml version="1.0" encoding="utf-8"?>
+<p:sld xmlns:a="http://schemas.openxmlformats.org/drawingml/2006/main" xmlns:r="http://schemas.openxmlformats.org/officeDocument/2006/relationships" xmlns:p="http://schemas.openxmlformats.org/presentationml/2006/main">
+  <p:cSld>
+    <p:spTree>
+      <p:nvGrpSpPr>
+        <p:cNvPr id="1" name=""/>
+        <p:cNvGrpSpPr/>
+        <p:nvPr/>
+      </p:nvGrpSpPr>
+      <p:grpSpPr>
+        <a:xfrm>
+          <a:off x="0" y="0"/>
+          <a:ext cx="0" cy="0"/>
+          <a:chOff x="0" y="0"/>
+          <a:chExt cx="0" cy="0"/>
+        </a:xfrm>
+      </p:grpSpPr>
+      <p:sp>
+        <p:nvSpPr>
+          <p:cNvPr id="2" name="1 Título"/>
+          <p:cNvSpPr>
+            <a:spLocks noGrp="1"/>
+          </p:cNvSpPr>
+          <p:nvPr>
+            <p:ph type="title"/>
+          </p:nvPr>
+        </p:nvSpPr>
+        <p:spPr/>
+        <p:txBody>
+          <a:bodyPr/>
+          <a:lstStyle/>
+          <a:p>
+            <a:pPr algn="ctr"/>
+            <a:r>
+              <a:rPr lang="es-PE" dirty="0" smtClean="0"/>
               <a:t>Diagrama de despliegue (Registro de usuario, Editar Usuario, </a:t>
             </a:r>
             <a:r>
@@ -8469,7 +8793,7 @@
 </p:sld>
 </file>
 
-<file path=ppt/slides/slide7.xml><?xml version="1.0" encoding="utf-8"?>
+<file path=ppt/slides/slide8.xml><?xml version="1.0" encoding="utf-8"?>
 <p:sld xmlns:a="http://schemas.openxmlformats.org/drawingml/2006/main" xmlns:r="http://schemas.openxmlformats.org/officeDocument/2006/relationships" xmlns:p="http://schemas.openxmlformats.org/presentationml/2006/main">
   <p:cSld>
     <p:spTree>
@@ -8540,7 +8864,7 @@
 </p:sld>
 </file>
 
-<file path=ppt/slides/slide8.xml><?xml version="1.0" encoding="utf-8"?>
+<file path=ppt/slides/slide9.xml><?xml version="1.0" encoding="utf-8"?>
 <p:sld xmlns:a="http://schemas.openxmlformats.org/drawingml/2006/main" xmlns:r="http://schemas.openxmlformats.org/officeDocument/2006/relationships" xmlns:p="http://schemas.openxmlformats.org/presentationml/2006/main">
   <p:cSld>
     <p:spTree>
@@ -8600,77 +8924,6 @@
       </p:par>
     </p:tnLst>
   </p:timing>
-</p:sld>
-</file>
-
-<file path=ppt/slides/slide9.xml><?xml version="1.0" encoding="utf-8"?>
-<p:sld xmlns:a="http://schemas.openxmlformats.org/drawingml/2006/main" xmlns:r="http://schemas.openxmlformats.org/officeDocument/2006/relationships" xmlns:p="http://schemas.openxmlformats.org/presentationml/2006/main">
-  <p:cSld>
-    <p:spTree>
-      <p:nvGrpSpPr>
-        <p:cNvPr id="1" name=""/>
-        <p:cNvGrpSpPr/>
-        <p:nvPr/>
-      </p:nvGrpSpPr>
-      <p:grpSpPr>
-        <a:xfrm>
-          <a:off x="0" y="0"/>
-          <a:ext cx="0" cy="0"/>
-          <a:chOff x="0" y="0"/>
-          <a:chExt cx="0" cy="0"/>
-        </a:xfrm>
-      </p:grpSpPr>
-      <p:pic>
-        <p:nvPicPr>
-          <p:cNvPr id="5122" name="Picture 2" descr="E:\New folder (2)\despliegue_2.png"/>
-          <p:cNvPicPr>
-            <a:picLocks noChangeAspect="1" noChangeArrowheads="1"/>
-          </p:cNvPicPr>
-          <p:nvPr/>
-        </p:nvPicPr>
-        <p:blipFill>
-          <a:blip r:embed="rId2" cstate="print">
-            <a:extLst>
-              <a:ext uri="{28A0092B-C50C-407E-A947-70E740481C1C}">
-                <a14:useLocalDpi xmlns:a14="http://schemas.microsoft.com/office/drawing/2010/main" val="0"/>
-              </a:ext>
-            </a:extLst>
-          </a:blip>
-          <a:srcRect/>
-          <a:stretch>
-            <a:fillRect/>
-          </a:stretch>
-        </p:blipFill>
-        <p:spPr bwMode="auto">
-          <a:xfrm>
-            <a:off x="1955800" y="134339"/>
-            <a:ext cx="8140700" cy="6537924"/>
-          </a:xfrm>
-          <a:prstGeom prst="rect">
-            <a:avLst/>
-          </a:prstGeom>
-          <a:noFill/>
-          <a:extLst>
-            <a:ext uri="{909E8E84-426E-40DD-AFC4-6F175D3DCCD1}">
-              <a14:hiddenFill xmlns:a14="http://schemas.microsoft.com/office/drawing/2010/main">
-                <a:solidFill>
-                  <a:srgbClr val="FFFFFF"/>
-                </a:solidFill>
-              </a14:hiddenFill>
-            </a:ext>
-          </a:extLst>
-        </p:spPr>
-      </p:pic>
-    </p:spTree>
-    <p:extLst>
-      <p:ext uri="{BB962C8B-B14F-4D97-AF65-F5344CB8AC3E}">
-        <p14:creationId xmlns:p14="http://schemas.microsoft.com/office/powerpoint/2010/main" val="2750946669"/>
-      </p:ext>
-    </p:extLst>
-  </p:cSld>
-  <p:clrMapOvr>
-    <a:masterClrMapping/>
-  </p:clrMapOvr>
 </p:sld>
 </file>
 

--- a/TB04-Arquitectura-de-Software.pptx
+++ b/TB04-Arquitectura-de-Software.pptx
@@ -117,7 +117,7 @@
   </p:defaultTextStyle>
   <p:extLst>
     <p:ext uri="{EFAFB233-063F-42B5-8137-9DF3F51BA10A}">
-      <p15:sldGuideLst xmlns:p15="http://schemas.microsoft.com/office/powerpoint/2012/main" xmlns="">
+      <p15:sldGuideLst xmlns="" xmlns:p15="http://schemas.microsoft.com/office/powerpoint/2012/main">
         <p15:guide id="1" orient="horz" pos="2160">
           <p15:clr>
             <a:srgbClr val="A4A3A4"/>
@@ -8488,11 +8488,11 @@
           <a:p>
             <a:r>
               <a:rPr lang="es-PE" dirty="0" smtClean="0"/>
-              <a:t>Diagrama de Componentes en </a:t>
-            </a:r>
-            <a:r>
-              <a:rPr lang="es-PE" dirty="0" err="1" smtClean="0"/>
-              <a:t>Runtime</a:t>
+              <a:t>Diagrama de </a:t>
+            </a:r>
+            <a:r>
+              <a:rPr lang="es-PE" dirty="0" smtClean="0"/>
+              <a:t>Componentes</a:t>
             </a:r>
             <a:endParaRPr lang="es-PE" dirty="0"/>
           </a:p>
@@ -9175,7 +9175,7 @@
   <a:extraClrSchemeLst/>
   <a:extLst>
     <a:ext uri="{05A4C25C-085E-4340-85A3-A5531E510DB2}">
-      <thm15:themeFamily xmlns:thm15="http://schemas.microsoft.com/office/thememl/2012/main" xmlns="" name="Berlin" id="{7B5DBA9E-B069-418E-9360-A61BDD0615A4}" vid="{C0CBE056-4EF4-4D92-969E-947779DA7AAA}"/>
+      <thm15:themeFamily xmlns="" xmlns:thm15="http://schemas.microsoft.com/office/thememl/2012/main" name="Berlin" id="{7B5DBA9E-B069-418E-9360-A61BDD0615A4}" vid="{C0CBE056-4EF4-4D92-969E-947779DA7AAA}"/>
     </a:ext>
   </a:extLst>
 </a:theme>

--- a/TB04-Arquitectura-de-Software.pptx
+++ b/TB04-Arquitectura-de-Software.pptx
@@ -117,7 +117,7 @@
   </p:defaultTextStyle>
   <p:extLst>
     <p:ext uri="{EFAFB233-063F-42B5-8137-9DF3F51BA10A}">
-      <p15:sldGuideLst xmlns="" xmlns:p15="http://schemas.microsoft.com/office/powerpoint/2012/main">
+      <p15:sldGuideLst xmlns:p15="http://schemas.microsoft.com/office/powerpoint/2012/main">
         <p15:guide id="1" orient="horz" pos="2160">
           <p15:clr>
             <a:srgbClr val="A4A3A4"/>
@@ -7786,8 +7786,8 @@
           <a:lstStyle/>
           <a:p>
             <a:r>
-              <a:rPr lang="en-US" smtClean="0"/>
-              <a:t>TB03 </a:t>
+              <a:rPr lang="en-US" dirty="0" smtClean="0"/>
+              <a:t>TB04 </a:t>
             </a:r>
             <a:r>
               <a:rPr lang="en-US" dirty="0"/>
@@ -8488,11 +8488,7 @@
           <a:p>
             <a:r>
               <a:rPr lang="es-PE" dirty="0" smtClean="0"/>
-              <a:t>Diagrama de </a:t>
-            </a:r>
-            <a:r>
-              <a:rPr lang="es-PE" dirty="0" smtClean="0"/>
-              <a:t>Componentes</a:t>
+              <a:t>Diagrama de Componentes</a:t>
             </a:r>
             <a:endParaRPr lang="es-PE" dirty="0"/>
           </a:p>
@@ -9175,7 +9171,7 @@
   <a:extraClrSchemeLst/>
   <a:extLst>
     <a:ext uri="{05A4C25C-085E-4340-85A3-A5531E510DB2}">
-      <thm15:themeFamily xmlns="" xmlns:thm15="http://schemas.microsoft.com/office/thememl/2012/main" name="Berlin" id="{7B5DBA9E-B069-418E-9360-A61BDD0615A4}" vid="{C0CBE056-4EF4-4D92-969E-947779DA7AAA}"/>
+      <thm15:themeFamily xmlns:thm15="http://schemas.microsoft.com/office/thememl/2012/main" name="Berlin" id="{7B5DBA9E-B069-418E-9360-A61BDD0615A4}" vid="{C0CBE056-4EF4-4D92-969E-947779DA7AAA}"/>
     </a:ext>
   </a:extLst>
 </a:theme>
